--- a/web/g25/status/Status3.pptx
+++ b/web/g25/status/Status3.pptx
@@ -5837,7 +5837,30 @@
             </a:pPr>
             <a:r>
               <a:rPr lang="da-DK" altLang="da-DK" sz="1600" dirty="0" smtClean="0"/>
-              <a:t>Dem, der har fik genaflevering, skal blot rette nogle minde fejl, før de er helt i mål</a:t>
+              <a:t>Dem, der har fik genaflevering, </a:t>
+            </a:r>
+            <a:r>
+              <a:rPr lang="da-DK" altLang="da-DK" sz="1600" dirty="0" smtClean="0"/>
+              <a:t>skulle </a:t>
+            </a:r>
+            <a:r>
+              <a:rPr lang="da-DK" altLang="da-DK" sz="1600" dirty="0" smtClean="0"/>
+              <a:t>blot rette nogle minde fejl, før de er helt i </a:t>
+            </a:r>
+            <a:r>
+              <a:rPr lang="da-DK" altLang="da-DK" sz="1600" dirty="0" smtClean="0"/>
+              <a:t>mål</a:t>
+            </a:r>
+          </a:p>
+          <a:p>
+            <a:pPr marL="742950" lvl="1" indent="-285750">
+              <a:spcBef>
+                <a:spcPts val="600"/>
+              </a:spcBef>
+            </a:pPr>
+            <a:r>
+              <a:rPr lang="da-DK" altLang="da-DK" sz="1600" dirty="0" smtClean="0"/>
+              <a:t>Der er et enkelt par, der mangler at genaflevere. Det bør I gøre så hurtigt som muligt og allersenest mandag den 10. februar</a:t>
             </a:r>
             <a:endParaRPr lang="da-DK" altLang="da-DK" sz="1600" dirty="0"/>
           </a:p>
@@ -5855,29 +5878,8 @@
                   <a:srgbClr val="A50021"/>
                 </a:solidFill>
               </a:rPr>
-              <a:t>I </a:t>
-            </a:r>
-            <a:r>
-              <a:rPr lang="da-DK" altLang="da-DK" sz="1800" b="1" spc="-80" dirty="0" smtClean="0">
-                <a:solidFill>
-                  <a:srgbClr val="A50021"/>
-                </a:solidFill>
-              </a:rPr>
-              <a:t>Quiz 2 var jeres gennemsnitlige vurdering af pensummets sværhedsgrad </a:t>
-            </a:r>
-            <a:r>
-              <a:rPr lang="da-DK" altLang="da-DK" sz="1800" b="1" spc="-80" dirty="0" smtClean="0">
-                <a:solidFill>
-                  <a:srgbClr val="A50021"/>
-                </a:solidFill>
-              </a:rPr>
-              <a:t>3,07</a:t>
-            </a:r>
-            <a:endParaRPr lang="da-DK" altLang="da-DK" sz="1800" b="1" spc="-80" dirty="0" smtClean="0">
-              <a:solidFill>
-                <a:srgbClr val="A50021"/>
-              </a:solidFill>
-            </a:endParaRPr>
+              <a:t>I Quiz 2 var jeres gennemsnitlige vurdering af pensummets sværhedsgrad 3,07</a:t>
+            </a:r>
           </a:p>
           <a:p>
             <a:pPr marL="742950" lvl="1" indent="-285750">
@@ -5891,30 +5893,18 @@
             </a:r>
             <a:r>
               <a:rPr lang="da-DK" altLang="da-DK" sz="1600" dirty="0" smtClean="0"/>
-              <a:t>et er </a:t>
-            </a:r>
+              <a:t>et er en anelse over middel</a:t>
+            </a:r>
+          </a:p>
+          <a:p>
+            <a:pPr marL="742950" lvl="1" indent="-285750">
+              <a:spcBef>
+                <a:spcPts val="600"/>
+              </a:spcBef>
+            </a:pPr>
             <a:r>
               <a:rPr lang="da-DK" altLang="da-DK" sz="1600" dirty="0" smtClean="0"/>
-              <a:t>en anelse </a:t>
-            </a:r>
-            <a:r>
-              <a:rPr lang="da-DK" altLang="da-DK" sz="1600" dirty="0" smtClean="0"/>
-              <a:t>over middel</a:t>
-            </a:r>
-          </a:p>
-          <a:p>
-            <a:pPr marL="742950" lvl="1" indent="-285750">
-              <a:spcBef>
-                <a:spcPts val="600"/>
-              </a:spcBef>
-            </a:pPr>
-            <a:r>
-              <a:rPr lang="da-DK" altLang="da-DK" sz="1600" dirty="0" smtClean="0"/>
-              <a:t>Sidste forår lå den på </a:t>
-            </a:r>
-            <a:r>
-              <a:rPr lang="da-DK" altLang="da-DK" sz="1600" dirty="0" smtClean="0"/>
-              <a:t>3,21</a:t>
+              <a:t>Sidste forår lå den på 3,21</a:t>
             </a:r>
             <a:endParaRPr lang="da-DK" altLang="da-DK" sz="1600" dirty="0"/>
           </a:p>
@@ -5966,29 +5956,8 @@
             </a:pPr>
             <a:r>
               <a:rPr lang="da-DK" altLang="da-DK" sz="1600" dirty="0" smtClean="0"/>
-              <a:t>I brugte kun </a:t>
-            </a:r>
-            <a:r>
-              <a:rPr lang="da-DK" altLang="da-DK" sz="1600" dirty="0" smtClean="0"/>
-              <a:t>1,42 </a:t>
-            </a:r>
-            <a:r>
-              <a:rPr lang="da-DK" altLang="da-DK" sz="1600" dirty="0" smtClean="0"/>
-              <a:t>forsøg pr spørgsmål (mod </a:t>
-            </a:r>
-            <a:r>
-              <a:rPr lang="da-DK" altLang="da-DK" sz="1600" dirty="0" smtClean="0"/>
-              <a:t>1,54 </a:t>
-            </a:r>
-            <a:r>
-              <a:rPr lang="da-DK" altLang="da-DK" sz="1600" dirty="0" smtClean="0"/>
-              <a:t>sidste i foråret </a:t>
-            </a:r>
-            <a:r>
-              <a:rPr lang="da-DK" altLang="da-DK" sz="1600" dirty="0" smtClean="0"/>
-              <a:t>2024)</a:t>
-            </a:r>
-            <a:endParaRPr lang="da-DK" altLang="da-DK" sz="1600" dirty="0" smtClean="0"/>
+              <a:t>I brugte kun 1,42 forsøg pr spørgsmål (mod 1,54 sidste i foråret 2024)</a:t>
+            </a:r>
           </a:p>
           <a:p>
             <a:pPr marL="742950" lvl="1" indent="-285750">
@@ -7507,15 +7476,7 @@
             </a:r>
             <a:r>
               <a:rPr lang="da-DK" sz="1600" dirty="0" smtClean="0"/>
-              <a:t>jer poster ikke på </a:t>
-            </a:r>
-            <a:r>
-              <a:rPr lang="da-DK" sz="1600" dirty="0" smtClean="0"/>
-              <a:t>webboardet, </a:t>
-            </a:r>
-            <a:r>
-              <a:rPr lang="da-DK" sz="1600" dirty="0" smtClean="0"/>
-              <a:t>og nogle af jer læser ikke de beskeder, der kommer på det (hvilket kan betyde, at I går glip af vigtige hints og fejlrettelser)</a:t>
+              <a:t>jer poster ikke på webboardet, og nogle af jer læser ikke de beskeder, der kommer på det (hvilket kan betyde, at I går glip af vigtige hints og fejlrettelser)</a:t>
             </a:r>
             <a:endParaRPr lang="da-DK" sz="1600" dirty="0"/>
           </a:p>
@@ -7542,53 +7503,19 @@
             </a:pPr>
             <a:r>
               <a:rPr lang="da-DK" sz="1600" dirty="0" smtClean="0"/>
-              <a:t>Spørgsmål </a:t>
-            </a:r>
-            <a:r>
-              <a:rPr lang="da-DK" sz="1600" dirty="0"/>
-              <a:t>bør være så præcise som muligt (så får I bedre svar</a:t>
+              <a:t>I </a:t>
             </a:r>
             <a:r>
               <a:rPr lang="da-DK" sz="1600" dirty="0" smtClean="0"/>
-              <a:t>)</a:t>
-            </a:r>
-          </a:p>
-          <a:p>
-            <a:pPr marL="742950" lvl="1" indent="-285750">
-              <a:spcBef>
-                <a:spcPts val="600"/>
-              </a:spcBef>
-            </a:pPr>
+              <a:t>må </a:t>
+            </a:r>
             <a:r>
               <a:rPr lang="da-DK" sz="1600" dirty="0" smtClean="0"/>
-              <a:t>Husk også at lave titlen, så præcis som muligt</a:t>
-            </a:r>
-            <a:endParaRPr lang="da-DK" sz="1600" dirty="0"/>
-          </a:p>
-          <a:p>
-            <a:pPr marL="742950" lvl="1" indent="-285750">
-              <a:spcBef>
-                <a:spcPts val="600"/>
-              </a:spcBef>
-            </a:pPr>
+              <a:t>meget </a:t>
+            </a:r>
             <a:r>
               <a:rPr lang="da-DK" sz="1600" dirty="0" smtClean="0"/>
-              <a:t>Læs gerne svarene på de andres spørgsmål</a:t>
-            </a:r>
-          </a:p>
-          <a:p>
-            <a:pPr marL="742950" lvl="1" indent="-285750">
-              <a:spcBef>
-                <a:spcPts val="600"/>
-              </a:spcBef>
-            </a:pPr>
-            <a:r>
-              <a:rPr lang="da-DK" sz="1600" dirty="0" smtClean="0"/>
-              <a:t>I må også meget gerne svare på hinandens </a:t>
-            </a:r>
-            <a:r>
-              <a:rPr lang="da-DK" sz="1600" dirty="0" smtClean="0"/>
-              <a:t>spørgsmål</a:t>
+              <a:t>gerne svare på hinandens spørgsmål</a:t>
             </a:r>
           </a:p>
           <a:p>
@@ -7605,11 +7532,6 @@
               </a:rPr>
               <a:t>Husk at I ikke må kopiere hele metoder/konstruktører til diskussionsforummet</a:t>
             </a:r>
-            <a:endParaRPr lang="da-DK" sz="1600" b="1" dirty="0" smtClean="0">
-              <a:solidFill>
-                <a:srgbClr val="008000"/>
-              </a:solidFill>
-            </a:endParaRPr>
           </a:p>
           <a:p>
             <a:pPr marL="285750" lvl="1" indent="-285750">
@@ -8120,7 +8042,15 @@
             </a:pPr>
             <a:r>
               <a:rPr lang="da-DK" sz="1600" dirty="0"/>
-              <a:t>Det er nu, I skal komme op med de ting der irriterer og generer jer</a:t>
+              <a:t>Det er nu, I skal komme op med de ting der irriterer </a:t>
+            </a:r>
+            <a:r>
+              <a:rPr lang="da-DK" sz="1600" dirty="0" smtClean="0"/>
+              <a:t>/ </a:t>
+            </a:r>
+            <a:r>
+              <a:rPr lang="da-DK" sz="1600" dirty="0"/>
+              <a:t>generer jer</a:t>
             </a:r>
           </a:p>
           <a:p>
@@ -8227,7 +8157,15 @@
                   <a:srgbClr val="A50021"/>
                 </a:solidFill>
               </a:rPr>
-              <a:t>forelæsning starter kl. </a:t>
+              <a:t>forelæsning starter </a:t>
+            </a:r>
+            <a:r>
+              <a:rPr lang="da-DK" altLang="da-DK" sz="1800" b="1" spc="-40" dirty="0" smtClean="0">
+                <a:solidFill>
+                  <a:srgbClr val="A50021"/>
+                </a:solidFill>
+              </a:rPr>
+              <a:t>ca. </a:t>
             </a:r>
             <a:r>
               <a:rPr lang="da-DK" altLang="da-DK" sz="1800" b="1" spc="-40" dirty="0" smtClean="0">
